--- a/Later/Java_Later/MongoDB_2/84/One-To-many Relationship.pptx
+++ b/Later/Java_Later/MongoDB_2/84/One-To-many Relationship.pptx
@@ -4099,7 +4099,7 @@
             <a:pPr algn="ctr"/>
             <a:r>
               <a:rPr lang="en-US" sz="1400" dirty="0"/>
-              <a:t>One-To-One Relationship</a:t>
+              <a:t>One-To-Many Relationship</a:t>
             </a:r>
           </a:p>
         </p:txBody>
@@ -4855,7 +4855,7 @@
             <a:pPr algn="ctr"/>
             <a:r>
               <a:rPr lang="en-US" sz="1400" dirty="0"/>
-              <a:t>One-To-One Relationship</a:t>
+              <a:t>One-To-Many Relationship</a:t>
             </a:r>
           </a:p>
         </p:txBody>
@@ -5494,9 +5494,10 @@
           <a:p>
             <a:pPr algn="ctr"/>
             <a:r>
-              <a:rPr lang="en-US" sz="1400" dirty="0"/>
-              <a:t>One-To-One Relationship</a:t>
-            </a:r>
+              <a:rPr lang="en-US" sz="1400"/>
+              <a:t>One-To-Many Relationship</a:t>
+            </a:r>
+            <a:endParaRPr lang="en-US" sz="1400" dirty="0"/>
           </a:p>
         </p:txBody>
       </p:sp>
